--- a/documentacao/Manual de instalação do Sensor LDR5mm.pptx
+++ b/documentacao/Manual de instalação do Sensor LDR5mm.pptx
@@ -5701,10 +5701,10 @@
       </p:sp>
       <p:pic>
         <p:nvPicPr>
-          <p:cNvPr id="3" name="Imagem 2">
-            <a:extLst>
-              <a:ext uri="{FF2B5EF4-FFF2-40B4-BE49-F238E27FC236}">
-                <a16:creationId xmlns:a16="http://schemas.microsoft.com/office/drawing/2014/main" id="{A8689300-BFA4-46B5-B0C5-9AB126958A13}"/>
+          <p:cNvPr id="2" name="Imagem 1">
+            <a:extLst>
+              <a:ext uri="{FF2B5EF4-FFF2-40B4-BE49-F238E27FC236}">
+                <a16:creationId xmlns:a16="http://schemas.microsoft.com/office/drawing/2014/main" id="{3B648346-257B-4D1D-B7D7-626072BCEA0C}"/>
               </a:ext>
             </a:extLst>
           </p:cNvPr>
@@ -5721,8 +5721,8 @@
         </p:blipFill>
         <p:spPr>
           <a:xfrm>
-            <a:off x="407505" y="2998171"/>
-            <a:ext cx="5430077" cy="3392105"/>
+            <a:off x="728870" y="2998170"/>
+            <a:ext cx="4642407" cy="3392105"/>
           </a:xfrm>
           <a:prstGeom prst="rect">
             <a:avLst/>
@@ -5731,10 +5731,10 @@
       </p:pic>
       <p:pic>
         <p:nvPicPr>
-          <p:cNvPr id="10" name="Imagem 9">
-            <a:extLst>
-              <a:ext uri="{FF2B5EF4-FFF2-40B4-BE49-F238E27FC236}">
-                <a16:creationId xmlns:a16="http://schemas.microsoft.com/office/drawing/2014/main" id="{988D9939-CA2B-4DBD-B3F0-27C3EC20C160}"/>
+          <p:cNvPr id="6" name="Imagem 5">
+            <a:extLst>
+              <a:ext uri="{FF2B5EF4-FFF2-40B4-BE49-F238E27FC236}">
+                <a16:creationId xmlns:a16="http://schemas.microsoft.com/office/drawing/2014/main" id="{872A0D85-6725-4FD6-9E08-E726E4FEF267}"/>
               </a:ext>
             </a:extLst>
           </p:cNvPr>
@@ -5751,8 +5751,8 @@
         </p:blipFill>
         <p:spPr>
           <a:xfrm>
-            <a:off x="7135466" y="2998171"/>
-            <a:ext cx="4010441" cy="3392105"/>
+            <a:off x="7384666" y="2998170"/>
+            <a:ext cx="3512041" cy="3392105"/>
           </a:xfrm>
           <a:prstGeom prst="rect">
             <a:avLst/>
@@ -6066,10 +6066,10 @@
       </p:sp>
       <p:pic>
         <p:nvPicPr>
-          <p:cNvPr id="6" name="Imagem 5">
-            <a:extLst>
-              <a:ext uri="{FF2B5EF4-FFF2-40B4-BE49-F238E27FC236}">
-                <a16:creationId xmlns:a16="http://schemas.microsoft.com/office/drawing/2014/main" id="{72A889D6-EF4A-4E5D-9B72-A2677ADBFE6D}"/>
+          <p:cNvPr id="25" name="Imagem 24">
+            <a:extLst>
+              <a:ext uri="{FF2B5EF4-FFF2-40B4-BE49-F238E27FC236}">
+                <a16:creationId xmlns:a16="http://schemas.microsoft.com/office/drawing/2014/main" id="{86C1E2BD-482A-40D0-939F-67C82AA6F015}"/>
               </a:ext>
             </a:extLst>
           </p:cNvPr>
@@ -6086,14 +6086,44 @@
         </p:blipFill>
         <p:spPr>
           <a:xfrm>
-            <a:off x="7089911" y="2705542"/>
-            <a:ext cx="4436165" cy="3845800"/>
+            <a:off x="417448" y="2705542"/>
+            <a:ext cx="5476458" cy="3845799"/>
           </a:xfrm>
           <a:prstGeom prst="rect">
             <a:avLst/>
           </a:prstGeom>
         </p:spPr>
       </p:pic>
+      <p:pic>
+        <p:nvPicPr>
+          <p:cNvPr id="3" name="Imagem 2">
+            <a:extLst>
+              <a:ext uri="{FF2B5EF4-FFF2-40B4-BE49-F238E27FC236}">
+                <a16:creationId xmlns:a16="http://schemas.microsoft.com/office/drawing/2014/main" id="{9408C62D-44E0-45BB-A163-6F74CDAB2DC4}"/>
+              </a:ext>
+            </a:extLst>
+          </p:cNvPr>
+          <p:cNvPicPr>
+            <a:picLocks noChangeAspect="1"/>
+          </p:cNvPicPr>
+          <p:nvPr/>
+        </p:nvPicPr>
+        <p:blipFill>
+          <a:blip r:embed="rId3"/>
+          <a:stretch>
+            <a:fillRect/>
+          </a:stretch>
+        </p:blipFill>
+        <p:spPr>
+          <a:xfrm>
+            <a:off x="7231131" y="2705542"/>
+            <a:ext cx="3929270" cy="3829234"/>
+          </a:xfrm>
+          <a:prstGeom prst="rect">
+            <a:avLst/>
+          </a:prstGeom>
+        </p:spPr>
+      </p:pic>
       <p:sp>
         <p:nvSpPr>
           <p:cNvPr id="11" name="Elipse 10">
@@ -6108,7 +6138,7 @@
         </p:nvSpPr>
         <p:spPr>
           <a:xfrm>
-            <a:off x="8570842" y="5387009"/>
+            <a:off x="8466897" y="5346159"/>
             <a:ext cx="1457739" cy="251790"/>
           </a:xfrm>
           <a:prstGeom prst="ellipse">
@@ -6148,10 +6178,10 @@
       </p:sp>
       <p:cxnSp>
         <p:nvCxnSpPr>
-          <p:cNvPr id="13" name="Conector de Seta Reta 12">
-            <a:extLst>
-              <a:ext uri="{FF2B5EF4-FFF2-40B4-BE49-F238E27FC236}">
-                <a16:creationId xmlns:a16="http://schemas.microsoft.com/office/drawing/2014/main" id="{339B5A1C-A704-4CEB-B03E-3CF48F20775C}"/>
+          <p:cNvPr id="20" name="Conector de Seta Reta 19">
+            <a:extLst>
+              <a:ext uri="{FF2B5EF4-FFF2-40B4-BE49-F238E27FC236}">
+                <a16:creationId xmlns:a16="http://schemas.microsoft.com/office/drawing/2014/main" id="{F5AB4CA9-2242-4484-B9EF-EE706795ED80}"/>
               </a:ext>
             </a:extLst>
           </p:cNvPr>
@@ -6161,9 +6191,9 @@
           <p:nvPr/>
         </p:nvCxnSpPr>
         <p:spPr>
-          <a:xfrm>
-            <a:off x="7474225" y="5499652"/>
-            <a:ext cx="954157" cy="0"/>
+          <a:xfrm flipH="1">
+            <a:off x="10058400" y="5472054"/>
+            <a:ext cx="927652" cy="0"/>
           </a:xfrm>
           <a:prstGeom prst="straightConnector1">
             <a:avLst/>
@@ -6192,10 +6222,10 @@
       </p:cxnSp>
       <p:cxnSp>
         <p:nvCxnSpPr>
-          <p:cNvPr id="20" name="Conector de Seta Reta 19">
-            <a:extLst>
-              <a:ext uri="{FF2B5EF4-FFF2-40B4-BE49-F238E27FC236}">
-                <a16:creationId xmlns:a16="http://schemas.microsoft.com/office/drawing/2014/main" id="{F5AB4CA9-2242-4484-B9EF-EE706795ED80}"/>
+          <p:cNvPr id="13" name="Conector de Seta Reta 12">
+            <a:extLst>
+              <a:ext uri="{FF2B5EF4-FFF2-40B4-BE49-F238E27FC236}">
+                <a16:creationId xmlns:a16="http://schemas.microsoft.com/office/drawing/2014/main" id="{339B5A1C-A704-4CEB-B03E-3CF48F20775C}"/>
               </a:ext>
             </a:extLst>
           </p:cNvPr>
@@ -6205,9 +6235,9 @@
           <p:nvPr/>
         </p:nvCxnSpPr>
         <p:spPr>
-          <a:xfrm flipH="1">
-            <a:off x="10204174" y="5499652"/>
-            <a:ext cx="927652" cy="0"/>
+          <a:xfrm>
+            <a:off x="7359099" y="5472054"/>
+            <a:ext cx="954157" cy="0"/>
           </a:xfrm>
           <a:prstGeom prst="straightConnector1">
             <a:avLst/>
@@ -6234,36 +6264,6 @@
           </a:fontRef>
         </p:style>
       </p:cxnSp>
-      <p:pic>
-        <p:nvPicPr>
-          <p:cNvPr id="25" name="Imagem 24">
-            <a:extLst>
-              <a:ext uri="{FF2B5EF4-FFF2-40B4-BE49-F238E27FC236}">
-                <a16:creationId xmlns:a16="http://schemas.microsoft.com/office/drawing/2014/main" id="{86C1E2BD-482A-40D0-939F-67C82AA6F015}"/>
-              </a:ext>
-            </a:extLst>
-          </p:cNvPr>
-          <p:cNvPicPr>
-            <a:picLocks noChangeAspect="1"/>
-          </p:cNvPicPr>
-          <p:nvPr/>
-        </p:nvPicPr>
-        <p:blipFill>
-          <a:blip r:embed="rId3"/>
-          <a:stretch>
-            <a:fillRect/>
-          </a:stretch>
-        </p:blipFill>
-        <p:spPr>
-          <a:xfrm>
-            <a:off x="417448" y="2705542"/>
-            <a:ext cx="5476458" cy="3845799"/>
-          </a:xfrm>
-          <a:prstGeom prst="rect">
-            <a:avLst/>
-          </a:prstGeom>
-        </p:spPr>
-      </p:pic>
     </p:spTree>
     <p:extLst>
       <p:ext uri="{BB962C8B-B14F-4D97-AF65-F5344CB8AC3E}">

--- a/documentacao/Manual de instalação do Sensor LDR5mm.pptx
+++ b/documentacao/Manual de instalação do Sensor LDR5mm.pptx
@@ -266,7 +266,7 @@
           <a:p>
             <a:fld id="{CB473DC7-C4F6-4B7D-9E40-D6299C68F4BE}" type="datetimeFigureOut">
               <a:rPr lang="pt-BR" smtClean="0"/>
-              <a:t>23/06/2020</a:t>
+              <a:t>28/06/2020</a:t>
             </a:fld>
             <a:endParaRPr lang="pt-BR"/>
           </a:p>
@@ -464,7 +464,7 @@
           <a:p>
             <a:fld id="{CB473DC7-C4F6-4B7D-9E40-D6299C68F4BE}" type="datetimeFigureOut">
               <a:rPr lang="pt-BR" smtClean="0"/>
-              <a:t>23/06/2020</a:t>
+              <a:t>28/06/2020</a:t>
             </a:fld>
             <a:endParaRPr lang="pt-BR"/>
           </a:p>
@@ -672,7 +672,7 @@
           <a:p>
             <a:fld id="{CB473DC7-C4F6-4B7D-9E40-D6299C68F4BE}" type="datetimeFigureOut">
               <a:rPr lang="pt-BR" smtClean="0"/>
-              <a:t>23/06/2020</a:t>
+              <a:t>28/06/2020</a:t>
             </a:fld>
             <a:endParaRPr lang="pt-BR"/>
           </a:p>
@@ -870,7 +870,7 @@
           <a:p>
             <a:fld id="{CB473DC7-C4F6-4B7D-9E40-D6299C68F4BE}" type="datetimeFigureOut">
               <a:rPr lang="pt-BR" smtClean="0"/>
-              <a:t>23/06/2020</a:t>
+              <a:t>28/06/2020</a:t>
             </a:fld>
             <a:endParaRPr lang="pt-BR"/>
           </a:p>
@@ -1145,7 +1145,7 @@
           <a:p>
             <a:fld id="{CB473DC7-C4F6-4B7D-9E40-D6299C68F4BE}" type="datetimeFigureOut">
               <a:rPr lang="pt-BR" smtClean="0"/>
-              <a:t>23/06/2020</a:t>
+              <a:t>28/06/2020</a:t>
             </a:fld>
             <a:endParaRPr lang="pt-BR"/>
           </a:p>
@@ -1410,7 +1410,7 @@
           <a:p>
             <a:fld id="{CB473DC7-C4F6-4B7D-9E40-D6299C68F4BE}" type="datetimeFigureOut">
               <a:rPr lang="pt-BR" smtClean="0"/>
-              <a:t>23/06/2020</a:t>
+              <a:t>28/06/2020</a:t>
             </a:fld>
             <a:endParaRPr lang="pt-BR"/>
           </a:p>
@@ -1822,7 +1822,7 @@
           <a:p>
             <a:fld id="{CB473DC7-C4F6-4B7D-9E40-D6299C68F4BE}" type="datetimeFigureOut">
               <a:rPr lang="pt-BR" smtClean="0"/>
-              <a:t>23/06/2020</a:t>
+              <a:t>28/06/2020</a:t>
             </a:fld>
             <a:endParaRPr lang="pt-BR"/>
           </a:p>
@@ -1963,7 +1963,7 @@
           <a:p>
             <a:fld id="{CB473DC7-C4F6-4B7D-9E40-D6299C68F4BE}" type="datetimeFigureOut">
               <a:rPr lang="pt-BR" smtClean="0"/>
-              <a:t>23/06/2020</a:t>
+              <a:t>28/06/2020</a:t>
             </a:fld>
             <a:endParaRPr lang="pt-BR"/>
           </a:p>
@@ -2076,7 +2076,7 @@
           <a:p>
             <a:fld id="{CB473DC7-C4F6-4B7D-9E40-D6299C68F4BE}" type="datetimeFigureOut">
               <a:rPr lang="pt-BR" smtClean="0"/>
-              <a:t>23/06/2020</a:t>
+              <a:t>28/06/2020</a:t>
             </a:fld>
             <a:endParaRPr lang="pt-BR"/>
           </a:p>
@@ -2387,7 +2387,7 @@
           <a:p>
             <a:fld id="{CB473DC7-C4F6-4B7D-9E40-D6299C68F4BE}" type="datetimeFigureOut">
               <a:rPr lang="pt-BR" smtClean="0"/>
-              <a:t>23/06/2020</a:t>
+              <a:t>28/06/2020</a:t>
             </a:fld>
             <a:endParaRPr lang="pt-BR"/>
           </a:p>
@@ -2675,7 +2675,7 @@
           <a:p>
             <a:fld id="{CB473DC7-C4F6-4B7D-9E40-D6299C68F4BE}" type="datetimeFigureOut">
               <a:rPr lang="pt-BR" smtClean="0"/>
-              <a:t>23/06/2020</a:t>
+              <a:t>28/06/2020</a:t>
             </a:fld>
             <a:endParaRPr lang="pt-BR"/>
           </a:p>
@@ -2916,7 +2916,7 @@
           <a:p>
             <a:fld id="{CB473DC7-C4F6-4B7D-9E40-D6299C68F4BE}" type="datetimeFigureOut">
               <a:rPr lang="pt-BR" smtClean="0"/>
-              <a:t>23/06/2020</a:t>
+              <a:t>28/06/2020</a:t>
             </a:fld>
             <a:endParaRPr lang="pt-BR"/>
           </a:p>
@@ -6023,7 +6023,7 @@
         <p:spPr>
           <a:xfrm>
             <a:off x="6380923" y="1505214"/>
-            <a:ext cx="5519528" cy="1200329"/>
+            <a:ext cx="5519528" cy="1477328"/>
           </a:xfrm>
           <a:prstGeom prst="rect">
             <a:avLst/>
@@ -6059,17 +6059,17 @@
                 </a:solidFill>
                 <a:latin typeface="Arial Rounded MT Bold" panose="020F0704030504030204" pitchFamily="34" charset="0"/>
               </a:rPr>
-              <a:t>Caso o usuário ainda não for cadastrado, basta clicar em “Não sou cadastrado” para direcionar para a tela de Cadastro.</a:t>
+              <a:t>Caso o usuário ainda não for cadastrado, basta clicar em “Não sou cadastrado” para direcionar para a tela de início, onde no fim da página se encontra a parte de cadastro.</a:t>
             </a:r>
           </a:p>
         </p:txBody>
       </p:sp>
       <p:pic>
         <p:nvPicPr>
-          <p:cNvPr id="25" name="Imagem 24">
-            <a:extLst>
-              <a:ext uri="{FF2B5EF4-FFF2-40B4-BE49-F238E27FC236}">
-                <a16:creationId xmlns:a16="http://schemas.microsoft.com/office/drawing/2014/main" id="{86C1E2BD-482A-40D0-939F-67C82AA6F015}"/>
+          <p:cNvPr id="3" name="Imagem 2">
+            <a:extLst>
+              <a:ext uri="{FF2B5EF4-FFF2-40B4-BE49-F238E27FC236}">
+                <a16:creationId xmlns:a16="http://schemas.microsoft.com/office/drawing/2014/main" id="{9408C62D-44E0-45BB-A163-6F74CDAB2DC4}"/>
               </a:ext>
             </a:extLst>
           </p:cNvPr>
@@ -6086,38 +6086,8 @@
         </p:blipFill>
         <p:spPr>
           <a:xfrm>
-            <a:off x="417448" y="2705542"/>
-            <a:ext cx="5476458" cy="3845799"/>
-          </a:xfrm>
-          <a:prstGeom prst="rect">
-            <a:avLst/>
-          </a:prstGeom>
-        </p:spPr>
-      </p:pic>
-      <p:pic>
-        <p:nvPicPr>
-          <p:cNvPr id="3" name="Imagem 2">
-            <a:extLst>
-              <a:ext uri="{FF2B5EF4-FFF2-40B4-BE49-F238E27FC236}">
-                <a16:creationId xmlns:a16="http://schemas.microsoft.com/office/drawing/2014/main" id="{9408C62D-44E0-45BB-A163-6F74CDAB2DC4}"/>
-              </a:ext>
-            </a:extLst>
-          </p:cNvPr>
-          <p:cNvPicPr>
-            <a:picLocks noChangeAspect="1"/>
-          </p:cNvPicPr>
-          <p:nvPr/>
-        </p:nvPicPr>
-        <p:blipFill>
-          <a:blip r:embed="rId3"/>
-          <a:stretch>
-            <a:fillRect/>
-          </a:stretch>
-        </p:blipFill>
-        <p:spPr>
-          <a:xfrm>
-            <a:off x="7231131" y="2705542"/>
-            <a:ext cx="3929270" cy="3829234"/>
+            <a:off x="7231131" y="2982542"/>
+            <a:ext cx="3929270" cy="3552234"/>
           </a:xfrm>
           <a:prstGeom prst="rect">
             <a:avLst/>
@@ -6264,6 +6234,42 @@
           </a:fontRef>
         </p:style>
       </p:cxnSp>
+      <p:pic>
+        <p:nvPicPr>
+          <p:cNvPr id="6" name="Imagem 5" descr="Uma imagem contendo screenshot, texto&#10;&#10;Descrição gerada automaticamente">
+            <a:extLst>
+              <a:ext uri="{FF2B5EF4-FFF2-40B4-BE49-F238E27FC236}">
+                <a16:creationId xmlns:a16="http://schemas.microsoft.com/office/drawing/2014/main" id="{64539641-52BF-4ADD-839D-50BE1804B2F2}"/>
+              </a:ext>
+            </a:extLst>
+          </p:cNvPr>
+          <p:cNvPicPr>
+            <a:picLocks noChangeAspect="1"/>
+          </p:cNvPicPr>
+          <p:nvPr/>
+        </p:nvPicPr>
+        <p:blipFill>
+          <a:blip r:embed="rId3">
+            <a:extLst>
+              <a:ext uri="{28A0092B-C50C-407E-A947-70E740481C1C}">
+                <a14:useLocalDpi xmlns:a14="http://schemas.microsoft.com/office/drawing/2010/main" val="0"/>
+              </a:ext>
+            </a:extLst>
+          </a:blip>
+          <a:stretch>
+            <a:fillRect/>
+          </a:stretch>
+        </p:blipFill>
+        <p:spPr>
+          <a:xfrm>
+            <a:off x="569843" y="2982542"/>
+            <a:ext cx="5084282" cy="3532558"/>
+          </a:xfrm>
+          <a:prstGeom prst="rect">
+            <a:avLst/>
+          </a:prstGeom>
+        </p:spPr>
+      </p:pic>
     </p:spTree>
     <p:extLst>
       <p:ext uri="{BB962C8B-B14F-4D97-AF65-F5344CB8AC3E}">
@@ -6359,7 +6365,7 @@
         </p:nvSpPr>
         <p:spPr>
           <a:xfrm>
-            <a:off x="291549" y="1427393"/>
+            <a:off x="281857" y="1427393"/>
             <a:ext cx="5661990" cy="5250956"/>
           </a:xfrm>
           <a:prstGeom prst="rect">
@@ -6399,6 +6405,414 @@
             <a:pPr algn="ctr"/>
             <a:endParaRPr lang="pt-BR" dirty="0"/>
           </a:p>
+          <a:p>
+            <a:pPr algn="ctr"/>
+            <a:endParaRPr lang="pt-BR" dirty="0"/>
+          </a:p>
+          <a:p>
+            <a:pPr algn="ctr"/>
+            <a:endParaRPr lang="pt-BR" dirty="0"/>
+          </a:p>
+          <a:p>
+            <a:pPr algn="ctr"/>
+            <a:endParaRPr lang="pt-BR" dirty="0"/>
+          </a:p>
+          <a:p>
+            <a:pPr algn="ctr"/>
+            <a:endParaRPr lang="pt-BR" dirty="0"/>
+          </a:p>
+          <a:p>
+            <a:pPr algn="ctr"/>
+            <a:endParaRPr lang="pt-BR" dirty="0"/>
+          </a:p>
+          <a:p>
+            <a:pPr algn="ctr"/>
+            <a:endParaRPr lang="pt-BR" dirty="0"/>
+          </a:p>
+          <a:p>
+            <a:pPr algn="ctr"/>
+            <a:endParaRPr lang="pt-BR" dirty="0"/>
+          </a:p>
+          <a:p>
+            <a:pPr algn="ctr"/>
+            <a:endParaRPr lang="pt-BR" dirty="0"/>
+          </a:p>
+          <a:p>
+            <a:pPr algn="ctr"/>
+            <a:endParaRPr lang="pt-BR" dirty="0"/>
+          </a:p>
+          <a:p>
+            <a:pPr algn="ctr"/>
+            <a:endParaRPr lang="pt-BR" dirty="0"/>
+          </a:p>
+          <a:p>
+            <a:pPr algn="ctr"/>
+            <a:endParaRPr lang="pt-BR" dirty="0"/>
+          </a:p>
+          <a:p>
+            <a:pPr algn="ctr"/>
+            <a:endParaRPr lang="pt-BR" dirty="0"/>
+          </a:p>
+          <a:p>
+            <a:pPr algn="ctr"/>
+            <a:endParaRPr lang="pt-BR" dirty="0"/>
+          </a:p>
+          <a:p>
+            <a:pPr algn="ctr"/>
+            <a:endParaRPr lang="pt-BR" dirty="0"/>
+          </a:p>
+          <a:p>
+            <a:pPr algn="ctr"/>
+            <a:endParaRPr lang="pt-BR" dirty="0"/>
+          </a:p>
+          <a:p>
+            <a:pPr algn="ctr"/>
+            <a:endParaRPr lang="pt-BR" dirty="0"/>
+          </a:p>
+          <a:p>
+            <a:pPr algn="ctr"/>
+            <a:endParaRPr lang="pt-BR" dirty="0"/>
+          </a:p>
+          <a:p>
+            <a:pPr algn="ctr"/>
+            <a:endParaRPr lang="pt-BR" dirty="0"/>
+          </a:p>
+          <a:p>
+            <a:pPr algn="ctr"/>
+            <a:endParaRPr lang="pt-BR" dirty="0"/>
+          </a:p>
+          <a:p>
+            <a:pPr algn="ctr"/>
+            <a:endParaRPr lang="pt-BR" dirty="0"/>
+          </a:p>
+          <a:p>
+            <a:pPr algn="ctr"/>
+            <a:endParaRPr lang="pt-BR" dirty="0"/>
+          </a:p>
+          <a:p>
+            <a:pPr algn="ctr"/>
+            <a:endParaRPr lang="pt-BR" dirty="0"/>
+          </a:p>
+          <a:p>
+            <a:pPr algn="ctr"/>
+            <a:endParaRPr lang="pt-BR" dirty="0"/>
+          </a:p>
+          <a:p>
+            <a:pPr algn="ctr"/>
+            <a:endParaRPr lang="pt-BR" dirty="0"/>
+          </a:p>
+          <a:p>
+            <a:pPr algn="ctr"/>
+            <a:endParaRPr lang="pt-BR" dirty="0"/>
+          </a:p>
+          <a:p>
+            <a:pPr algn="ctr"/>
+            <a:endParaRPr lang="pt-BR" dirty="0"/>
+          </a:p>
+          <a:p>
+            <a:pPr algn="ctr"/>
+            <a:endParaRPr lang="pt-BR" dirty="0"/>
+          </a:p>
+          <a:p>
+            <a:pPr algn="ctr"/>
+            <a:endParaRPr lang="pt-BR" dirty="0"/>
+          </a:p>
+          <a:p>
+            <a:pPr algn="ctr"/>
+            <a:endParaRPr lang="pt-BR" dirty="0"/>
+          </a:p>
+          <a:p>
+            <a:pPr algn="ctr"/>
+            <a:endParaRPr lang="pt-BR" dirty="0"/>
+          </a:p>
+          <a:p>
+            <a:pPr algn="ctr"/>
+            <a:endParaRPr lang="pt-BR" dirty="0"/>
+          </a:p>
+          <a:p>
+            <a:pPr algn="ctr"/>
+            <a:endParaRPr lang="pt-BR" dirty="0"/>
+          </a:p>
+          <a:p>
+            <a:pPr algn="ctr"/>
+            <a:endParaRPr lang="pt-BR" dirty="0"/>
+          </a:p>
+          <a:p>
+            <a:pPr algn="ctr"/>
+            <a:endParaRPr lang="pt-BR" dirty="0"/>
+          </a:p>
+          <a:p>
+            <a:pPr algn="ctr"/>
+            <a:endParaRPr lang="pt-BR" dirty="0"/>
+          </a:p>
+          <a:p>
+            <a:pPr algn="ctr"/>
+            <a:endParaRPr lang="pt-BR" dirty="0"/>
+          </a:p>
+          <a:p>
+            <a:pPr algn="ctr"/>
+            <a:endParaRPr lang="pt-BR" dirty="0"/>
+          </a:p>
+          <a:p>
+            <a:pPr algn="ctr"/>
+            <a:endParaRPr lang="pt-BR" dirty="0"/>
+          </a:p>
+          <a:p>
+            <a:pPr algn="ctr"/>
+            <a:endParaRPr lang="pt-BR" dirty="0"/>
+          </a:p>
+          <a:p>
+            <a:pPr algn="ctr"/>
+            <a:endParaRPr lang="pt-BR" dirty="0"/>
+          </a:p>
+          <a:p>
+            <a:pPr algn="ctr"/>
+            <a:endParaRPr lang="pt-BR" dirty="0"/>
+          </a:p>
+          <a:p>
+            <a:pPr algn="ctr"/>
+            <a:endParaRPr lang="pt-BR" dirty="0"/>
+          </a:p>
+          <a:p>
+            <a:pPr algn="ctr"/>
+            <a:endParaRPr lang="pt-BR" dirty="0"/>
+          </a:p>
+          <a:p>
+            <a:pPr algn="ctr"/>
+            <a:endParaRPr lang="pt-BR" dirty="0"/>
+          </a:p>
+          <a:p>
+            <a:pPr algn="ctr"/>
+            <a:endParaRPr lang="pt-BR" dirty="0"/>
+          </a:p>
+          <a:p>
+            <a:pPr algn="ctr"/>
+            <a:endParaRPr lang="pt-BR" dirty="0"/>
+          </a:p>
+          <a:p>
+            <a:pPr algn="ctr"/>
+            <a:endParaRPr lang="pt-BR" dirty="0"/>
+          </a:p>
+          <a:p>
+            <a:pPr algn="ctr"/>
+            <a:endParaRPr lang="pt-BR" dirty="0"/>
+          </a:p>
+          <a:p>
+            <a:pPr algn="ctr"/>
+            <a:endParaRPr lang="pt-BR" dirty="0"/>
+          </a:p>
+          <a:p>
+            <a:pPr algn="ctr"/>
+            <a:endParaRPr lang="pt-BR" dirty="0"/>
+          </a:p>
+          <a:p>
+            <a:pPr algn="ctr"/>
+            <a:endParaRPr lang="pt-BR" dirty="0"/>
+          </a:p>
+          <a:p>
+            <a:pPr algn="ctr"/>
+            <a:endParaRPr lang="pt-BR" dirty="0"/>
+          </a:p>
+          <a:p>
+            <a:pPr algn="ctr"/>
+            <a:endParaRPr lang="pt-BR" dirty="0"/>
+          </a:p>
+          <a:p>
+            <a:pPr algn="ctr"/>
+            <a:endParaRPr lang="pt-BR" dirty="0"/>
+          </a:p>
+          <a:p>
+            <a:pPr algn="ctr"/>
+            <a:endParaRPr lang="pt-BR" dirty="0"/>
+          </a:p>
+          <a:p>
+            <a:pPr algn="ctr"/>
+            <a:endParaRPr lang="pt-BR" dirty="0"/>
+          </a:p>
+          <a:p>
+            <a:pPr algn="ctr"/>
+            <a:endParaRPr lang="pt-BR" dirty="0"/>
+          </a:p>
+          <a:p>
+            <a:pPr algn="ctr"/>
+            <a:endParaRPr lang="pt-BR" dirty="0"/>
+          </a:p>
+          <a:p>
+            <a:pPr algn="ctr"/>
+            <a:endParaRPr lang="pt-BR" dirty="0"/>
+          </a:p>
+          <a:p>
+            <a:pPr algn="ctr"/>
+            <a:endParaRPr lang="pt-BR" dirty="0"/>
+          </a:p>
+          <a:p>
+            <a:pPr algn="ctr"/>
+            <a:endParaRPr lang="pt-BR" dirty="0"/>
+          </a:p>
+          <a:p>
+            <a:pPr algn="ctr"/>
+            <a:endParaRPr lang="pt-BR" dirty="0"/>
+          </a:p>
+          <a:p>
+            <a:pPr algn="ctr"/>
+            <a:endParaRPr lang="pt-BR" dirty="0"/>
+          </a:p>
+          <a:p>
+            <a:pPr algn="ctr"/>
+            <a:endParaRPr lang="pt-BR" dirty="0"/>
+          </a:p>
+          <a:p>
+            <a:pPr algn="ctr"/>
+            <a:endParaRPr lang="pt-BR" dirty="0"/>
+          </a:p>
+          <a:p>
+            <a:pPr algn="ctr"/>
+            <a:endParaRPr lang="pt-BR" dirty="0"/>
+          </a:p>
+          <a:p>
+            <a:pPr algn="ctr"/>
+            <a:endParaRPr lang="pt-BR" dirty="0"/>
+          </a:p>
+          <a:p>
+            <a:pPr algn="ctr"/>
+            <a:endParaRPr lang="pt-BR" dirty="0"/>
+          </a:p>
+          <a:p>
+            <a:pPr algn="ctr"/>
+            <a:endParaRPr lang="pt-BR" dirty="0"/>
+          </a:p>
+          <a:p>
+            <a:pPr algn="ctr"/>
+            <a:endParaRPr lang="pt-BR" dirty="0"/>
+          </a:p>
+          <a:p>
+            <a:pPr algn="ctr"/>
+            <a:endParaRPr lang="pt-BR" dirty="0"/>
+          </a:p>
+          <a:p>
+            <a:pPr algn="ctr"/>
+            <a:endParaRPr lang="pt-BR" dirty="0"/>
+          </a:p>
+          <a:p>
+            <a:pPr algn="ctr"/>
+            <a:endParaRPr lang="pt-BR" dirty="0"/>
+          </a:p>
+          <a:p>
+            <a:pPr algn="ctr"/>
+            <a:endParaRPr lang="pt-BR" dirty="0"/>
+          </a:p>
+          <a:p>
+            <a:pPr algn="ctr"/>
+            <a:endParaRPr lang="pt-BR" dirty="0"/>
+          </a:p>
+          <a:p>
+            <a:pPr algn="ctr"/>
+            <a:endParaRPr lang="pt-BR" dirty="0"/>
+          </a:p>
+          <a:p>
+            <a:pPr algn="ctr"/>
+            <a:endParaRPr lang="pt-BR" dirty="0"/>
+          </a:p>
+          <a:p>
+            <a:pPr algn="ctr"/>
+            <a:endParaRPr lang="pt-BR" dirty="0"/>
+          </a:p>
+          <a:p>
+            <a:pPr algn="ctr"/>
+            <a:endParaRPr lang="pt-BR" dirty="0"/>
+          </a:p>
+          <a:p>
+            <a:pPr algn="ctr"/>
+            <a:endParaRPr lang="pt-BR" dirty="0"/>
+          </a:p>
+          <a:p>
+            <a:pPr algn="ctr"/>
+            <a:endParaRPr lang="pt-BR" dirty="0"/>
+          </a:p>
+          <a:p>
+            <a:pPr algn="ctr"/>
+            <a:endParaRPr lang="pt-BR" dirty="0"/>
+          </a:p>
+          <a:p>
+            <a:pPr algn="ctr"/>
+            <a:endParaRPr lang="pt-BR" dirty="0"/>
+          </a:p>
+          <a:p>
+            <a:pPr algn="ctr"/>
+            <a:endParaRPr lang="pt-BR" dirty="0"/>
+          </a:p>
+          <a:p>
+            <a:pPr algn="ctr"/>
+            <a:endParaRPr lang="pt-BR" dirty="0"/>
+          </a:p>
+          <a:p>
+            <a:pPr algn="ctr"/>
+            <a:endParaRPr lang="pt-BR" dirty="0"/>
+          </a:p>
+          <a:p>
+            <a:pPr algn="ctr"/>
+            <a:endParaRPr lang="pt-BR" dirty="0"/>
+          </a:p>
+          <a:p>
+            <a:pPr algn="ctr"/>
+            <a:endParaRPr lang="pt-BR" dirty="0"/>
+          </a:p>
+          <a:p>
+            <a:pPr algn="ctr"/>
+            <a:endParaRPr lang="pt-BR" dirty="0"/>
+          </a:p>
+          <a:p>
+            <a:pPr algn="ctr"/>
+            <a:endParaRPr lang="pt-BR" dirty="0"/>
+          </a:p>
+          <a:p>
+            <a:pPr algn="ctr"/>
+            <a:endParaRPr lang="pt-BR" dirty="0"/>
+          </a:p>
+          <a:p>
+            <a:pPr algn="ctr"/>
+            <a:endParaRPr lang="pt-BR" dirty="0"/>
+          </a:p>
+          <a:p>
+            <a:pPr algn="ctr"/>
+            <a:endParaRPr lang="pt-BR" dirty="0"/>
+          </a:p>
+          <a:p>
+            <a:pPr algn="ctr"/>
+            <a:endParaRPr lang="pt-BR" dirty="0"/>
+          </a:p>
+          <a:p>
+            <a:pPr algn="ctr"/>
+            <a:endParaRPr lang="pt-BR" dirty="0"/>
+          </a:p>
+          <a:p>
+            <a:pPr algn="ctr"/>
+            <a:endParaRPr lang="pt-BR" dirty="0"/>
+          </a:p>
+          <a:p>
+            <a:pPr algn="ctr"/>
+            <a:endParaRPr lang="pt-BR" dirty="0"/>
+          </a:p>
+          <a:p>
+            <a:pPr algn="ctr"/>
+            <a:endParaRPr lang="pt-BR" dirty="0"/>
+          </a:p>
+          <a:p>
+            <a:pPr algn="ctr"/>
+            <a:endParaRPr lang="pt-BR" dirty="0"/>
+          </a:p>
+          <a:p>
+            <a:pPr algn="ctr"/>
+            <a:endParaRPr lang="pt-BR" dirty="0"/>
+          </a:p>
+          <a:p>
+            <a:pPr algn="ctr"/>
+            <a:endParaRPr lang="pt-BR" dirty="0"/>
+          </a:p>
+          <a:p>
+            <a:pPr algn="ctr"/>
+            <a:endParaRPr lang="pt-BR" dirty="0"/>
+          </a:p>
         </p:txBody>
       </p:sp>
       <p:sp>
@@ -6453,7 +6867,7 @@
           <a:lstStyle/>
           <a:p>
             <a:pPr algn="ctr"/>
-            <a:endParaRPr lang="pt-BR"/>
+            <a:endParaRPr lang="pt-BR" dirty="0"/>
           </a:p>
         </p:txBody>
       </p:sp>
@@ -6571,10 +6985,10 @@
       </p:sp>
       <p:pic>
         <p:nvPicPr>
-          <p:cNvPr id="10" name="Imagem 9">
-            <a:extLst>
-              <a:ext uri="{FF2B5EF4-FFF2-40B4-BE49-F238E27FC236}">
-                <a16:creationId xmlns:a16="http://schemas.microsoft.com/office/drawing/2014/main" id="{683261FD-03AB-444F-80DA-A55BA21F206E}"/>
+          <p:cNvPr id="2" name="Imagem 1">
+            <a:extLst>
+              <a:ext uri="{FF2B5EF4-FFF2-40B4-BE49-F238E27FC236}">
+                <a16:creationId xmlns:a16="http://schemas.microsoft.com/office/drawing/2014/main" id="{BDC698FA-6B8E-4536-B0BD-9D5AEC35E9E1}"/>
               </a:ext>
             </a:extLst>
           </p:cNvPr>
@@ -6591,44 +7005,58 @@
         </p:blipFill>
         <p:spPr>
           <a:xfrm>
-            <a:off x="988322" y="2705543"/>
-            <a:ext cx="4268444" cy="3845799"/>
+            <a:off x="1034708" y="2710098"/>
+            <a:ext cx="4377670" cy="3841244"/>
           </a:xfrm>
           <a:prstGeom prst="rect">
             <a:avLst/>
           </a:prstGeom>
         </p:spPr>
       </p:pic>
-      <p:pic>
-        <p:nvPicPr>
-          <p:cNvPr id="12" name="Imagem 11">
-            <a:extLst>
-              <a:ext uri="{FF2B5EF4-FFF2-40B4-BE49-F238E27FC236}">
-                <a16:creationId xmlns:a16="http://schemas.microsoft.com/office/drawing/2014/main" id="{68FDE4E8-A420-441A-99E4-D1B226C7F488}"/>
-              </a:ext>
-            </a:extLst>
-          </p:cNvPr>
-          <p:cNvPicPr>
-            <a:picLocks noChangeAspect="1"/>
-          </p:cNvPicPr>
+      <p:cxnSp>
+        <p:nvCxnSpPr>
+          <p:cNvPr id="17" name="Conector de Seta Reta 16">
+            <a:extLst>
+              <a:ext uri="{FF2B5EF4-FFF2-40B4-BE49-F238E27FC236}">
+                <a16:creationId xmlns:a16="http://schemas.microsoft.com/office/drawing/2014/main" id="{11104DB7-BC21-4469-B158-7D0C05264BF2}"/>
+              </a:ext>
+            </a:extLst>
+          </p:cNvPr>
+          <p:cNvCxnSpPr>
+            <a:cxnSpLocks/>
+          </p:cNvCxnSpPr>
           <p:nvPr/>
-        </p:nvPicPr>
-        <p:blipFill>
-          <a:blip r:embed="rId3"/>
-          <a:stretch>
-            <a:fillRect/>
-          </a:stretch>
-        </p:blipFill>
-        <p:spPr>
-          <a:xfrm>
-            <a:off x="6449358" y="2701981"/>
-            <a:ext cx="5382658" cy="597810"/>
-          </a:xfrm>
-          <a:prstGeom prst="rect">
+        </p:nvCxnSpPr>
+        <p:spPr>
+          <a:xfrm flipH="1">
+            <a:off x="2208144" y="6366732"/>
+            <a:ext cx="800099" cy="0"/>
+          </a:xfrm>
+          <a:prstGeom prst="straightConnector1">
             <a:avLst/>
           </a:prstGeom>
-        </p:spPr>
-      </p:pic>
+          <a:ln w="38100">
+            <a:solidFill>
+              <a:srgbClr val="FF0000"/>
+            </a:solidFill>
+            <a:tailEnd type="triangle"/>
+          </a:ln>
+        </p:spPr>
+        <p:style>
+          <a:lnRef idx="1">
+            <a:schemeClr val="accent1"/>
+          </a:lnRef>
+          <a:fillRef idx="0">
+            <a:schemeClr val="accent1"/>
+          </a:fillRef>
+          <a:effectRef idx="0">
+            <a:schemeClr val="accent1"/>
+          </a:effectRef>
+          <a:fontRef idx="minor">
+            <a:schemeClr val="tx1"/>
+          </a:fontRef>
+        </p:style>
+      </p:cxnSp>
       <p:sp>
         <p:nvSpPr>
           <p:cNvPr id="14" name="Elipse 13">
@@ -6643,8 +7071,8 @@
         </p:nvSpPr>
         <p:spPr>
           <a:xfrm>
-            <a:off x="2769704" y="6135757"/>
-            <a:ext cx="715618" cy="251791"/>
+            <a:off x="1084156" y="6175513"/>
+            <a:ext cx="1117139" cy="375829"/>
           </a:xfrm>
           <a:prstGeom prst="ellipse">
             <a:avLst/>
@@ -6677,7 +7105,11 @@
           <a:lstStyle/>
           <a:p>
             <a:pPr algn="ctr"/>
-            <a:endParaRPr lang="pt-BR"/>
+            <a:endParaRPr lang="pt-BR">
+              <a:solidFill>
+                <a:srgbClr val="00B050"/>
+              </a:solidFill>
+            </a:endParaRPr>
           </a:p>
         </p:txBody>
       </p:sp>
@@ -6697,13 +7129,13 @@
         </p:nvCxnSpPr>
         <p:spPr>
           <a:xfrm>
-            <a:off x="1643270" y="6241773"/>
-            <a:ext cx="927652" cy="0"/>
+            <a:off x="291549" y="6366732"/>
+            <a:ext cx="743159" cy="0"/>
           </a:xfrm>
           <a:prstGeom prst="straightConnector1">
             <a:avLst/>
           </a:prstGeom>
-          <a:ln>
+          <a:ln w="38100">
             <a:solidFill>
               <a:srgbClr val="FF0000"/>
             </a:solidFill>
@@ -6725,56 +7157,42 @@
           </a:fontRef>
         </p:style>
       </p:cxnSp>
-      <p:cxnSp>
-        <p:nvCxnSpPr>
-          <p:cNvPr id="17" name="Conector de Seta Reta 16">
-            <a:extLst>
-              <a:ext uri="{FF2B5EF4-FFF2-40B4-BE49-F238E27FC236}">
-                <a16:creationId xmlns:a16="http://schemas.microsoft.com/office/drawing/2014/main" id="{11104DB7-BC21-4469-B158-7D0C05264BF2}"/>
-              </a:ext>
-            </a:extLst>
-          </p:cNvPr>
-          <p:cNvCxnSpPr>
-            <a:cxnSpLocks/>
-          </p:cNvCxnSpPr>
+      <p:pic>
+        <p:nvPicPr>
+          <p:cNvPr id="15" name="Imagem 14">
+            <a:extLst>
+              <a:ext uri="{FF2B5EF4-FFF2-40B4-BE49-F238E27FC236}">
+                <a16:creationId xmlns:a16="http://schemas.microsoft.com/office/drawing/2014/main" id="{B74576D0-800C-44A9-B876-D81498255569}"/>
+              </a:ext>
+            </a:extLst>
+          </p:cNvPr>
+          <p:cNvPicPr>
+            <a:picLocks noChangeAspect="1"/>
+          </p:cNvPicPr>
           <p:nvPr/>
-        </p:nvCxnSpPr>
-        <p:spPr>
-          <a:xfrm flipH="1">
-            <a:off x="3763617" y="6241773"/>
-            <a:ext cx="848140" cy="0"/>
-          </a:xfrm>
-          <a:prstGeom prst="straightConnector1">
+        </p:nvPicPr>
+        <p:blipFill>
+          <a:blip r:embed="rId3"/>
+          <a:stretch>
+            <a:fillRect/>
+          </a:stretch>
+        </p:blipFill>
+        <p:spPr>
+          <a:xfrm>
+            <a:off x="6354419" y="2538619"/>
+            <a:ext cx="5519528" cy="482878"/>
+          </a:xfrm>
+          <a:prstGeom prst="rect">
             <a:avLst/>
           </a:prstGeom>
-          <a:ln>
-            <a:solidFill>
-              <a:srgbClr val="FF0000"/>
-            </a:solidFill>
-            <a:tailEnd type="triangle"/>
-          </a:ln>
-        </p:spPr>
-        <p:style>
-          <a:lnRef idx="1">
-            <a:schemeClr val="accent1"/>
-          </a:lnRef>
-          <a:fillRef idx="0">
-            <a:schemeClr val="accent1"/>
-          </a:fillRef>
-          <a:effectRef idx="0">
-            <a:schemeClr val="accent1"/>
-          </a:effectRef>
-          <a:fontRef idx="minor">
-            <a:schemeClr val="tx1"/>
-          </a:fontRef>
-        </p:style>
-      </p:cxnSp>
-      <p:sp>
-        <p:nvSpPr>
-          <p:cNvPr id="25" name="Elipse 24">
-            <a:extLst>
-              <a:ext uri="{FF2B5EF4-FFF2-40B4-BE49-F238E27FC236}">
-                <a16:creationId xmlns:a16="http://schemas.microsoft.com/office/drawing/2014/main" id="{8BE4F694-B9FE-4C7C-ACB2-7ED1C221AEC5}"/>
+        </p:spPr>
+      </p:pic>
+      <p:sp>
+        <p:nvSpPr>
+          <p:cNvPr id="20" name="Elipse 19">
+            <a:extLst>
+              <a:ext uri="{FF2B5EF4-FFF2-40B4-BE49-F238E27FC236}">
+                <a16:creationId xmlns:a16="http://schemas.microsoft.com/office/drawing/2014/main" id="{A36FEE90-087E-4D78-B3A8-25DC8D055174}"/>
               </a:ext>
             </a:extLst>
           </p:cNvPr>
@@ -6783,8 +7201,8 @@
         </p:nvSpPr>
         <p:spPr>
           <a:xfrm>
-            <a:off x="9912626" y="2789611"/>
-            <a:ext cx="834887" cy="357809"/>
+            <a:off x="10999305" y="2645668"/>
+            <a:ext cx="490330" cy="375829"/>
           </a:xfrm>
           <a:prstGeom prst="ellipse">
             <a:avLst/>
@@ -6817,16 +7235,20 @@
           <a:lstStyle/>
           <a:p>
             <a:pPr algn="ctr"/>
-            <a:endParaRPr lang="pt-BR"/>
+            <a:endParaRPr lang="pt-BR">
+              <a:solidFill>
+                <a:srgbClr val="00B050"/>
+              </a:solidFill>
+            </a:endParaRPr>
           </a:p>
         </p:txBody>
       </p:sp>
       <p:pic>
         <p:nvPicPr>
-          <p:cNvPr id="28" name="Imagem 27">
-            <a:extLst>
-              <a:ext uri="{FF2B5EF4-FFF2-40B4-BE49-F238E27FC236}">
-                <a16:creationId xmlns:a16="http://schemas.microsoft.com/office/drawing/2014/main" id="{49335B3B-E31F-4C6B-B0FA-B0CFF29D9A23}"/>
+          <p:cNvPr id="21" name="Imagem 20">
+            <a:extLst>
+              <a:ext uri="{FF2B5EF4-FFF2-40B4-BE49-F238E27FC236}">
+                <a16:creationId xmlns:a16="http://schemas.microsoft.com/office/drawing/2014/main" id="{AFACE85B-C8FB-41A1-8CBD-1A0D7CE480EB}"/>
               </a:ext>
             </a:extLst>
           </p:cNvPr>
@@ -6835,15 +7257,16 @@
           </p:cNvPicPr>
           <p:nvPr/>
         </p:nvPicPr>
-        <p:blipFill rotWithShape="1">
+        <p:blipFill>
           <a:blip r:embed="rId4"/>
-          <a:srcRect l="33794" t="34002" r="31196" b="19212"/>
-          <a:stretch/>
+          <a:stretch>
+            <a:fillRect/>
+          </a:stretch>
         </p:blipFill>
         <p:spPr>
           <a:xfrm>
-            <a:off x="7305261" y="3429000"/>
-            <a:ext cx="3670852" cy="3122342"/>
+            <a:off x="6847228" y="3159237"/>
+            <a:ext cx="4642407" cy="3392105"/>
           </a:xfrm>
           <a:prstGeom prst="rect">
             <a:avLst/>
